--- a/ppt 16-9/0332.纪念主.pptx
+++ b/ppt 16-9/0332.纪念主.pptx
@@ -5,7 +5,7 @@
     <p:sldMasterId id="2147483648" r:id="rId1"/>
   </p:sldMasterIdLst>
   <p:sldIdLst>
-    <p:sldId id="3226" r:id="rId2"/>
+    <p:sldId id="3228" r:id="rId2"/>
   </p:sldIdLst>
   <p:sldSz cx="12192000" cy="6858000"/>
   <p:notesSz cx="6858000" cy="9144000"/>
@@ -129,7 +129,7 @@
           <p:cNvPr id="2" name="标题 1">
             <a:extLst>
               <a:ext uri="{FF2B5EF4-FFF2-40B4-BE49-F238E27FC236}">
-                <a16:creationId xmlns:a16="http://schemas.microsoft.com/office/drawing/2014/main" id="{840A3831-84F6-F32E-4F96-C7822C670E0E}"/>
+                <a16:creationId xmlns:a16="http://schemas.microsoft.com/office/drawing/2014/main" id="{02D3AE41-3891-B856-769A-42EE609150F9}"/>
               </a:ext>
             </a:extLst>
           </p:cNvPr>
@@ -166,7 +166,7 @@
           <p:cNvPr id="3" name="副标题 2">
             <a:extLst>
               <a:ext uri="{FF2B5EF4-FFF2-40B4-BE49-F238E27FC236}">
-                <a16:creationId xmlns:a16="http://schemas.microsoft.com/office/drawing/2014/main" id="{5CEBE4E6-3E24-C569-6BAF-760E03791422}"/>
+                <a16:creationId xmlns:a16="http://schemas.microsoft.com/office/drawing/2014/main" id="{5C83EECF-BF3C-14AF-0421-6C6319075496}"/>
               </a:ext>
             </a:extLst>
           </p:cNvPr>
@@ -236,7 +236,7 @@
           <p:cNvPr id="4" name="日期占位符 3">
             <a:extLst>
               <a:ext uri="{FF2B5EF4-FFF2-40B4-BE49-F238E27FC236}">
-                <a16:creationId xmlns:a16="http://schemas.microsoft.com/office/drawing/2014/main" id="{11FEE65A-B56E-8AE8-6C34-2584064743B6}"/>
+                <a16:creationId xmlns:a16="http://schemas.microsoft.com/office/drawing/2014/main" id="{14A39F21-38B3-CB33-C5CA-0BA5AEEBA949}"/>
               </a:ext>
             </a:extLst>
           </p:cNvPr>
@@ -252,7 +252,7 @@
           <a:bodyPr/>
           <a:lstStyle/>
           <a:p>
-            <a:fld id="{D795D4AD-A7D5-4959-8BFE-27F896D142C7}" type="datetimeFigureOut">
+            <a:fld id="{626CB73A-7087-4A20-B294-524D0A068E0F}" type="datetimeFigureOut">
               <a:rPr lang="zh-CN" altLang="en-US" smtClean="0"/>
               <a:t>2024/3/10</a:t>
             </a:fld>
@@ -265,7 +265,7 @@
           <p:cNvPr id="5" name="页脚占位符 4">
             <a:extLst>
               <a:ext uri="{FF2B5EF4-FFF2-40B4-BE49-F238E27FC236}">
-                <a16:creationId xmlns:a16="http://schemas.microsoft.com/office/drawing/2014/main" id="{C140EE25-E099-BA3A-1353-D8C17092195E}"/>
+                <a16:creationId xmlns:a16="http://schemas.microsoft.com/office/drawing/2014/main" id="{78FBF001-34B0-E7B9-32D1-522EC3E33820}"/>
               </a:ext>
             </a:extLst>
           </p:cNvPr>
@@ -290,7 +290,7 @@
           <p:cNvPr id="6" name="灯片编号占位符 5">
             <a:extLst>
               <a:ext uri="{FF2B5EF4-FFF2-40B4-BE49-F238E27FC236}">
-                <a16:creationId xmlns:a16="http://schemas.microsoft.com/office/drawing/2014/main" id="{7AA24F18-7D2D-DE4F-9FED-68FA48E55F6D}"/>
+                <a16:creationId xmlns:a16="http://schemas.microsoft.com/office/drawing/2014/main" id="{98903BAC-EFBD-FBD9-1BFD-B42C2AEE8FC0}"/>
               </a:ext>
             </a:extLst>
           </p:cNvPr>
@@ -306,7 +306,7 @@
           <a:bodyPr/>
           <a:lstStyle/>
           <a:p>
-            <a:fld id="{629A2481-5A7D-47FC-8CFE-CA8D3EDE8E43}" type="slidenum">
+            <a:fld id="{1E7825D4-7464-4519-8CF4-13DF05B48D81}" type="slidenum">
               <a:rPr lang="zh-CN" altLang="en-US" smtClean="0"/>
               <a:t>‹#›</a:t>
             </a:fld>
@@ -317,7 +317,7 @@
     </p:spTree>
     <p:extLst>
       <p:ext uri="{BB962C8B-B14F-4D97-AF65-F5344CB8AC3E}">
-        <p14:creationId xmlns:p14="http://schemas.microsoft.com/office/powerpoint/2010/main" val="1470792754"/>
+        <p14:creationId xmlns:p14="http://schemas.microsoft.com/office/powerpoint/2010/main" val="2894187395"/>
       </p:ext>
     </p:extLst>
   </p:cSld>
@@ -349,7 +349,7 @@
           <p:cNvPr id="2" name="标题 1">
             <a:extLst>
               <a:ext uri="{FF2B5EF4-FFF2-40B4-BE49-F238E27FC236}">
-                <a16:creationId xmlns:a16="http://schemas.microsoft.com/office/drawing/2014/main" id="{6EEAF426-2DBA-E08B-C185-10429CAE6D3F}"/>
+                <a16:creationId xmlns:a16="http://schemas.microsoft.com/office/drawing/2014/main" id="{E4F21AE3-FC8D-134E-6B7B-7B1D461E4D49}"/>
               </a:ext>
             </a:extLst>
           </p:cNvPr>
@@ -377,7 +377,7 @@
           <p:cNvPr id="3" name="竖排文字占位符 2">
             <a:extLst>
               <a:ext uri="{FF2B5EF4-FFF2-40B4-BE49-F238E27FC236}">
-                <a16:creationId xmlns:a16="http://schemas.microsoft.com/office/drawing/2014/main" id="{0EF527C1-A849-3602-F042-9F7591298574}"/>
+                <a16:creationId xmlns:a16="http://schemas.microsoft.com/office/drawing/2014/main" id="{C7975C69-7CF1-280D-88FB-87A841CECF6E}"/>
               </a:ext>
             </a:extLst>
           </p:cNvPr>
@@ -434,7 +434,7 @@
           <p:cNvPr id="4" name="日期占位符 3">
             <a:extLst>
               <a:ext uri="{FF2B5EF4-FFF2-40B4-BE49-F238E27FC236}">
-                <a16:creationId xmlns:a16="http://schemas.microsoft.com/office/drawing/2014/main" id="{13622268-1E64-6550-867B-6FB506D90E9A}"/>
+                <a16:creationId xmlns:a16="http://schemas.microsoft.com/office/drawing/2014/main" id="{051FBFDD-03AE-5078-91B9-23ACB420D9B9}"/>
               </a:ext>
             </a:extLst>
           </p:cNvPr>
@@ -450,7 +450,7 @@
           <a:bodyPr/>
           <a:lstStyle/>
           <a:p>
-            <a:fld id="{D795D4AD-A7D5-4959-8BFE-27F896D142C7}" type="datetimeFigureOut">
+            <a:fld id="{626CB73A-7087-4A20-B294-524D0A068E0F}" type="datetimeFigureOut">
               <a:rPr lang="zh-CN" altLang="en-US" smtClean="0"/>
               <a:t>2024/3/10</a:t>
             </a:fld>
@@ -463,7 +463,7 @@
           <p:cNvPr id="5" name="页脚占位符 4">
             <a:extLst>
               <a:ext uri="{FF2B5EF4-FFF2-40B4-BE49-F238E27FC236}">
-                <a16:creationId xmlns:a16="http://schemas.microsoft.com/office/drawing/2014/main" id="{DF3703E0-B4E8-7D1F-F5FD-8AB942FF39E9}"/>
+                <a16:creationId xmlns:a16="http://schemas.microsoft.com/office/drawing/2014/main" id="{21BE8D90-2556-37BB-E94F-E2AFF72F992E}"/>
               </a:ext>
             </a:extLst>
           </p:cNvPr>
@@ -488,7 +488,7 @@
           <p:cNvPr id="6" name="灯片编号占位符 5">
             <a:extLst>
               <a:ext uri="{FF2B5EF4-FFF2-40B4-BE49-F238E27FC236}">
-                <a16:creationId xmlns:a16="http://schemas.microsoft.com/office/drawing/2014/main" id="{0A1302EA-DFFB-1C20-D00F-7031F6D8BE79}"/>
+                <a16:creationId xmlns:a16="http://schemas.microsoft.com/office/drawing/2014/main" id="{1C301F84-6AE4-4B77-952E-7495AA62D4C1}"/>
               </a:ext>
             </a:extLst>
           </p:cNvPr>
@@ -504,7 +504,7 @@
           <a:bodyPr/>
           <a:lstStyle/>
           <a:p>
-            <a:fld id="{629A2481-5A7D-47FC-8CFE-CA8D3EDE8E43}" type="slidenum">
+            <a:fld id="{1E7825D4-7464-4519-8CF4-13DF05B48D81}" type="slidenum">
               <a:rPr lang="zh-CN" altLang="en-US" smtClean="0"/>
               <a:t>‹#›</a:t>
             </a:fld>
@@ -515,7 +515,7 @@
     </p:spTree>
     <p:extLst>
       <p:ext uri="{BB962C8B-B14F-4D97-AF65-F5344CB8AC3E}">
-        <p14:creationId xmlns:p14="http://schemas.microsoft.com/office/powerpoint/2010/main" val="2827987406"/>
+        <p14:creationId xmlns:p14="http://schemas.microsoft.com/office/powerpoint/2010/main" val="917444112"/>
       </p:ext>
     </p:extLst>
   </p:cSld>
@@ -547,7 +547,7 @@
           <p:cNvPr id="2" name="竖排标题 1">
             <a:extLst>
               <a:ext uri="{FF2B5EF4-FFF2-40B4-BE49-F238E27FC236}">
-                <a16:creationId xmlns:a16="http://schemas.microsoft.com/office/drawing/2014/main" id="{A034B7C6-E649-D4D1-F36C-7EC25B8CDE25}"/>
+                <a16:creationId xmlns:a16="http://schemas.microsoft.com/office/drawing/2014/main" id="{0685095F-73C5-ED35-95F7-9E476F75BFB4}"/>
               </a:ext>
             </a:extLst>
           </p:cNvPr>
@@ -580,7 +580,7 @@
           <p:cNvPr id="3" name="竖排文字占位符 2">
             <a:extLst>
               <a:ext uri="{FF2B5EF4-FFF2-40B4-BE49-F238E27FC236}">
-                <a16:creationId xmlns:a16="http://schemas.microsoft.com/office/drawing/2014/main" id="{D4CA1CD0-95E5-52C4-49FA-F5FB92350350}"/>
+                <a16:creationId xmlns:a16="http://schemas.microsoft.com/office/drawing/2014/main" id="{0B028F7F-1340-8A74-F03F-BF6820FAEE86}"/>
               </a:ext>
             </a:extLst>
           </p:cNvPr>
@@ -642,7 +642,7 @@
           <p:cNvPr id="4" name="日期占位符 3">
             <a:extLst>
               <a:ext uri="{FF2B5EF4-FFF2-40B4-BE49-F238E27FC236}">
-                <a16:creationId xmlns:a16="http://schemas.microsoft.com/office/drawing/2014/main" id="{FC78E497-AEAA-D624-E194-42010449BF0C}"/>
+                <a16:creationId xmlns:a16="http://schemas.microsoft.com/office/drawing/2014/main" id="{5AD7E65F-FE30-99FE-C5E7-83F97C7977E9}"/>
               </a:ext>
             </a:extLst>
           </p:cNvPr>
@@ -658,7 +658,7 @@
           <a:bodyPr/>
           <a:lstStyle/>
           <a:p>
-            <a:fld id="{D795D4AD-A7D5-4959-8BFE-27F896D142C7}" type="datetimeFigureOut">
+            <a:fld id="{626CB73A-7087-4A20-B294-524D0A068E0F}" type="datetimeFigureOut">
               <a:rPr lang="zh-CN" altLang="en-US" smtClean="0"/>
               <a:t>2024/3/10</a:t>
             </a:fld>
@@ -671,7 +671,7 @@
           <p:cNvPr id="5" name="页脚占位符 4">
             <a:extLst>
               <a:ext uri="{FF2B5EF4-FFF2-40B4-BE49-F238E27FC236}">
-                <a16:creationId xmlns:a16="http://schemas.microsoft.com/office/drawing/2014/main" id="{40E329BF-7549-30C7-887F-C097C5F59E6C}"/>
+                <a16:creationId xmlns:a16="http://schemas.microsoft.com/office/drawing/2014/main" id="{D474BA75-0630-5A5F-22A8-074F7A47D491}"/>
               </a:ext>
             </a:extLst>
           </p:cNvPr>
@@ -696,7 +696,7 @@
           <p:cNvPr id="6" name="灯片编号占位符 5">
             <a:extLst>
               <a:ext uri="{FF2B5EF4-FFF2-40B4-BE49-F238E27FC236}">
-                <a16:creationId xmlns:a16="http://schemas.microsoft.com/office/drawing/2014/main" id="{D6C4CB92-6B27-6723-C1D0-B8EA7753639E}"/>
+                <a16:creationId xmlns:a16="http://schemas.microsoft.com/office/drawing/2014/main" id="{3BAA936F-2020-4B14-9ED2-7D65C3A3EE97}"/>
               </a:ext>
             </a:extLst>
           </p:cNvPr>
@@ -712,7 +712,7 @@
           <a:bodyPr/>
           <a:lstStyle/>
           <a:p>
-            <a:fld id="{629A2481-5A7D-47FC-8CFE-CA8D3EDE8E43}" type="slidenum">
+            <a:fld id="{1E7825D4-7464-4519-8CF4-13DF05B48D81}" type="slidenum">
               <a:rPr lang="zh-CN" altLang="en-US" smtClean="0"/>
               <a:t>‹#›</a:t>
             </a:fld>
@@ -723,7 +723,7 @@
     </p:spTree>
     <p:extLst>
       <p:ext uri="{BB962C8B-B14F-4D97-AF65-F5344CB8AC3E}">
-        <p14:creationId xmlns:p14="http://schemas.microsoft.com/office/powerpoint/2010/main" val="2122032604"/>
+        <p14:creationId xmlns:p14="http://schemas.microsoft.com/office/powerpoint/2010/main" val="2777945234"/>
       </p:ext>
     </p:extLst>
   </p:cSld>
@@ -755,7 +755,7 @@
           <p:cNvPr id="2" name="标题 1">
             <a:extLst>
               <a:ext uri="{FF2B5EF4-FFF2-40B4-BE49-F238E27FC236}">
-                <a16:creationId xmlns:a16="http://schemas.microsoft.com/office/drawing/2014/main" id="{81014E3E-0AB7-64DA-0C9B-4ACEED581084}"/>
+                <a16:creationId xmlns:a16="http://schemas.microsoft.com/office/drawing/2014/main" id="{161AC4E2-A6D5-55CA-D47B-AB21FA5B0654}"/>
               </a:ext>
             </a:extLst>
           </p:cNvPr>
@@ -783,7 +783,7 @@
           <p:cNvPr id="3" name="内容占位符 2">
             <a:extLst>
               <a:ext uri="{FF2B5EF4-FFF2-40B4-BE49-F238E27FC236}">
-                <a16:creationId xmlns:a16="http://schemas.microsoft.com/office/drawing/2014/main" id="{9A811A30-C8C6-EBFC-4B20-EEB986E471E9}"/>
+                <a16:creationId xmlns:a16="http://schemas.microsoft.com/office/drawing/2014/main" id="{B248E87F-23BB-482F-AA23-B1FD3F68F05B}"/>
               </a:ext>
             </a:extLst>
           </p:cNvPr>
@@ -840,7 +840,7 @@
           <p:cNvPr id="4" name="日期占位符 3">
             <a:extLst>
               <a:ext uri="{FF2B5EF4-FFF2-40B4-BE49-F238E27FC236}">
-                <a16:creationId xmlns:a16="http://schemas.microsoft.com/office/drawing/2014/main" id="{E98AEB8C-9B67-1F41-536D-4088249CB65A}"/>
+                <a16:creationId xmlns:a16="http://schemas.microsoft.com/office/drawing/2014/main" id="{E8D3EDD3-E6B4-E854-C489-E2F2BBC218B9}"/>
               </a:ext>
             </a:extLst>
           </p:cNvPr>
@@ -856,7 +856,7 @@
           <a:bodyPr/>
           <a:lstStyle/>
           <a:p>
-            <a:fld id="{D795D4AD-A7D5-4959-8BFE-27F896D142C7}" type="datetimeFigureOut">
+            <a:fld id="{626CB73A-7087-4A20-B294-524D0A068E0F}" type="datetimeFigureOut">
               <a:rPr lang="zh-CN" altLang="en-US" smtClean="0"/>
               <a:t>2024/3/10</a:t>
             </a:fld>
@@ -869,7 +869,7 @@
           <p:cNvPr id="5" name="页脚占位符 4">
             <a:extLst>
               <a:ext uri="{FF2B5EF4-FFF2-40B4-BE49-F238E27FC236}">
-                <a16:creationId xmlns:a16="http://schemas.microsoft.com/office/drawing/2014/main" id="{6E105EC9-5E22-6FE7-AD5A-C2991DD11A59}"/>
+                <a16:creationId xmlns:a16="http://schemas.microsoft.com/office/drawing/2014/main" id="{A0BD3C06-872D-6DF1-91EC-5D0582409EE0}"/>
               </a:ext>
             </a:extLst>
           </p:cNvPr>
@@ -894,7 +894,7 @@
           <p:cNvPr id="6" name="灯片编号占位符 5">
             <a:extLst>
               <a:ext uri="{FF2B5EF4-FFF2-40B4-BE49-F238E27FC236}">
-                <a16:creationId xmlns:a16="http://schemas.microsoft.com/office/drawing/2014/main" id="{BC5A0DA7-B27A-CB50-4C99-862CAC9304BF}"/>
+                <a16:creationId xmlns:a16="http://schemas.microsoft.com/office/drawing/2014/main" id="{E38A8451-9E26-24C8-902D-31529DE1D145}"/>
               </a:ext>
             </a:extLst>
           </p:cNvPr>
@@ -910,7 +910,7 @@
           <a:bodyPr/>
           <a:lstStyle/>
           <a:p>
-            <a:fld id="{629A2481-5A7D-47FC-8CFE-CA8D3EDE8E43}" type="slidenum">
+            <a:fld id="{1E7825D4-7464-4519-8CF4-13DF05B48D81}" type="slidenum">
               <a:rPr lang="zh-CN" altLang="en-US" smtClean="0"/>
               <a:t>‹#›</a:t>
             </a:fld>
@@ -921,7 +921,7 @@
     </p:spTree>
     <p:extLst>
       <p:ext uri="{BB962C8B-B14F-4D97-AF65-F5344CB8AC3E}">
-        <p14:creationId xmlns:p14="http://schemas.microsoft.com/office/powerpoint/2010/main" val="4213621279"/>
+        <p14:creationId xmlns:p14="http://schemas.microsoft.com/office/powerpoint/2010/main" val="1141597465"/>
       </p:ext>
     </p:extLst>
   </p:cSld>
@@ -953,7 +953,7 @@
           <p:cNvPr id="2" name="标题 1">
             <a:extLst>
               <a:ext uri="{FF2B5EF4-FFF2-40B4-BE49-F238E27FC236}">
-                <a16:creationId xmlns:a16="http://schemas.microsoft.com/office/drawing/2014/main" id="{EC0FF855-11D9-43D7-92AA-8739077298C3}"/>
+                <a16:creationId xmlns:a16="http://schemas.microsoft.com/office/drawing/2014/main" id="{43E30B9B-9415-B9C1-5807-1408F3EFBA51}"/>
               </a:ext>
             </a:extLst>
           </p:cNvPr>
@@ -990,7 +990,7 @@
           <p:cNvPr id="3" name="文本占位符 2">
             <a:extLst>
               <a:ext uri="{FF2B5EF4-FFF2-40B4-BE49-F238E27FC236}">
-                <a16:creationId xmlns:a16="http://schemas.microsoft.com/office/drawing/2014/main" id="{2AB63563-D41A-653C-9B53-EF6E40DC7DEA}"/>
+                <a16:creationId xmlns:a16="http://schemas.microsoft.com/office/drawing/2014/main" id="{E8D7E16F-CE1E-944D-10B7-8DB75A851D3A}"/>
               </a:ext>
             </a:extLst>
           </p:cNvPr>
@@ -1115,7 +1115,7 @@
           <p:cNvPr id="4" name="日期占位符 3">
             <a:extLst>
               <a:ext uri="{FF2B5EF4-FFF2-40B4-BE49-F238E27FC236}">
-                <a16:creationId xmlns:a16="http://schemas.microsoft.com/office/drawing/2014/main" id="{65929B3A-2D93-6F9E-0CA5-6786348614BA}"/>
+                <a16:creationId xmlns:a16="http://schemas.microsoft.com/office/drawing/2014/main" id="{B55646F4-10B9-6C51-545F-A8F9D68FAFEA}"/>
               </a:ext>
             </a:extLst>
           </p:cNvPr>
@@ -1131,7 +1131,7 @@
           <a:bodyPr/>
           <a:lstStyle/>
           <a:p>
-            <a:fld id="{D795D4AD-A7D5-4959-8BFE-27F896D142C7}" type="datetimeFigureOut">
+            <a:fld id="{626CB73A-7087-4A20-B294-524D0A068E0F}" type="datetimeFigureOut">
               <a:rPr lang="zh-CN" altLang="en-US" smtClean="0"/>
               <a:t>2024/3/10</a:t>
             </a:fld>
@@ -1144,7 +1144,7 @@
           <p:cNvPr id="5" name="页脚占位符 4">
             <a:extLst>
               <a:ext uri="{FF2B5EF4-FFF2-40B4-BE49-F238E27FC236}">
-                <a16:creationId xmlns:a16="http://schemas.microsoft.com/office/drawing/2014/main" id="{7FC57C2B-34A4-F5DB-EFE2-3045FD3B6745}"/>
+                <a16:creationId xmlns:a16="http://schemas.microsoft.com/office/drawing/2014/main" id="{5DFBE387-E940-B67C-64D1-A71D60DDA377}"/>
               </a:ext>
             </a:extLst>
           </p:cNvPr>
@@ -1169,7 +1169,7 @@
           <p:cNvPr id="6" name="灯片编号占位符 5">
             <a:extLst>
               <a:ext uri="{FF2B5EF4-FFF2-40B4-BE49-F238E27FC236}">
-                <a16:creationId xmlns:a16="http://schemas.microsoft.com/office/drawing/2014/main" id="{CCD0147E-3287-740F-DCBE-2EB30B0802C7}"/>
+                <a16:creationId xmlns:a16="http://schemas.microsoft.com/office/drawing/2014/main" id="{CA2EFCD4-6E32-1045-B235-F129E03A9B77}"/>
               </a:ext>
             </a:extLst>
           </p:cNvPr>
@@ -1185,7 +1185,7 @@
           <a:bodyPr/>
           <a:lstStyle/>
           <a:p>
-            <a:fld id="{629A2481-5A7D-47FC-8CFE-CA8D3EDE8E43}" type="slidenum">
+            <a:fld id="{1E7825D4-7464-4519-8CF4-13DF05B48D81}" type="slidenum">
               <a:rPr lang="zh-CN" altLang="en-US" smtClean="0"/>
               <a:t>‹#›</a:t>
             </a:fld>
@@ -1196,7 +1196,7 @@
     </p:spTree>
     <p:extLst>
       <p:ext uri="{BB962C8B-B14F-4D97-AF65-F5344CB8AC3E}">
-        <p14:creationId xmlns:p14="http://schemas.microsoft.com/office/powerpoint/2010/main" val="2699867828"/>
+        <p14:creationId xmlns:p14="http://schemas.microsoft.com/office/powerpoint/2010/main" val="2683775061"/>
       </p:ext>
     </p:extLst>
   </p:cSld>
@@ -1228,7 +1228,7 @@
           <p:cNvPr id="2" name="标题 1">
             <a:extLst>
               <a:ext uri="{FF2B5EF4-FFF2-40B4-BE49-F238E27FC236}">
-                <a16:creationId xmlns:a16="http://schemas.microsoft.com/office/drawing/2014/main" id="{376F6EAB-E256-93FE-B39E-B8BA5558E327}"/>
+                <a16:creationId xmlns:a16="http://schemas.microsoft.com/office/drawing/2014/main" id="{99F52CDF-2F0C-C341-7CD5-C922BAEF2679}"/>
               </a:ext>
             </a:extLst>
           </p:cNvPr>
@@ -1256,7 +1256,7 @@
           <p:cNvPr id="3" name="内容占位符 2">
             <a:extLst>
               <a:ext uri="{FF2B5EF4-FFF2-40B4-BE49-F238E27FC236}">
-                <a16:creationId xmlns:a16="http://schemas.microsoft.com/office/drawing/2014/main" id="{D329D501-DA18-F54F-6CC3-6A86CE67E319}"/>
+                <a16:creationId xmlns:a16="http://schemas.microsoft.com/office/drawing/2014/main" id="{1268AA0B-3750-1938-5B48-3C4346B1099E}"/>
               </a:ext>
             </a:extLst>
           </p:cNvPr>
@@ -1318,7 +1318,7 @@
           <p:cNvPr id="4" name="内容占位符 3">
             <a:extLst>
               <a:ext uri="{FF2B5EF4-FFF2-40B4-BE49-F238E27FC236}">
-                <a16:creationId xmlns:a16="http://schemas.microsoft.com/office/drawing/2014/main" id="{D86F627C-2D03-CFBF-CA03-9B87DA2ADAD9}"/>
+                <a16:creationId xmlns:a16="http://schemas.microsoft.com/office/drawing/2014/main" id="{7FEA68CA-FD3B-8DA4-5435-63FFACE6D347}"/>
               </a:ext>
             </a:extLst>
           </p:cNvPr>
@@ -1380,7 +1380,7 @@
           <p:cNvPr id="5" name="日期占位符 4">
             <a:extLst>
               <a:ext uri="{FF2B5EF4-FFF2-40B4-BE49-F238E27FC236}">
-                <a16:creationId xmlns:a16="http://schemas.microsoft.com/office/drawing/2014/main" id="{7D993716-89CC-8659-B58B-C05B2D15B6E5}"/>
+                <a16:creationId xmlns:a16="http://schemas.microsoft.com/office/drawing/2014/main" id="{08CB9D42-9ECF-5FFE-BF65-744752BDA371}"/>
               </a:ext>
             </a:extLst>
           </p:cNvPr>
@@ -1396,7 +1396,7 @@
           <a:bodyPr/>
           <a:lstStyle/>
           <a:p>
-            <a:fld id="{D795D4AD-A7D5-4959-8BFE-27F896D142C7}" type="datetimeFigureOut">
+            <a:fld id="{626CB73A-7087-4A20-B294-524D0A068E0F}" type="datetimeFigureOut">
               <a:rPr lang="zh-CN" altLang="en-US" smtClean="0"/>
               <a:t>2024/3/10</a:t>
             </a:fld>
@@ -1409,7 +1409,7 @@
           <p:cNvPr id="6" name="页脚占位符 5">
             <a:extLst>
               <a:ext uri="{FF2B5EF4-FFF2-40B4-BE49-F238E27FC236}">
-                <a16:creationId xmlns:a16="http://schemas.microsoft.com/office/drawing/2014/main" id="{EC5C50A7-B5AC-84BC-5E3A-BA9D0E4DF3BF}"/>
+                <a16:creationId xmlns:a16="http://schemas.microsoft.com/office/drawing/2014/main" id="{C492659B-0280-F6F2-24DF-0377DECD0C62}"/>
               </a:ext>
             </a:extLst>
           </p:cNvPr>
@@ -1434,7 +1434,7 @@
           <p:cNvPr id="7" name="灯片编号占位符 6">
             <a:extLst>
               <a:ext uri="{FF2B5EF4-FFF2-40B4-BE49-F238E27FC236}">
-                <a16:creationId xmlns:a16="http://schemas.microsoft.com/office/drawing/2014/main" id="{2665781B-C6F0-7859-BA8A-56E7EABD0DCD}"/>
+                <a16:creationId xmlns:a16="http://schemas.microsoft.com/office/drawing/2014/main" id="{38348EA4-45AA-B639-B6FC-8775E84FF8DC}"/>
               </a:ext>
             </a:extLst>
           </p:cNvPr>
@@ -1450,7 +1450,7 @@
           <a:bodyPr/>
           <a:lstStyle/>
           <a:p>
-            <a:fld id="{629A2481-5A7D-47FC-8CFE-CA8D3EDE8E43}" type="slidenum">
+            <a:fld id="{1E7825D4-7464-4519-8CF4-13DF05B48D81}" type="slidenum">
               <a:rPr lang="zh-CN" altLang="en-US" smtClean="0"/>
               <a:t>‹#›</a:t>
             </a:fld>
@@ -1461,7 +1461,7 @@
     </p:spTree>
     <p:extLst>
       <p:ext uri="{BB962C8B-B14F-4D97-AF65-F5344CB8AC3E}">
-        <p14:creationId xmlns:p14="http://schemas.microsoft.com/office/powerpoint/2010/main" val="2046927573"/>
+        <p14:creationId xmlns:p14="http://schemas.microsoft.com/office/powerpoint/2010/main" val="2852703241"/>
       </p:ext>
     </p:extLst>
   </p:cSld>
@@ -1493,7 +1493,7 @@
           <p:cNvPr id="2" name="标题 1">
             <a:extLst>
               <a:ext uri="{FF2B5EF4-FFF2-40B4-BE49-F238E27FC236}">
-                <a16:creationId xmlns:a16="http://schemas.microsoft.com/office/drawing/2014/main" id="{E1AABD65-F949-D8A8-9924-34CAB7BCCD2A}"/>
+                <a16:creationId xmlns:a16="http://schemas.microsoft.com/office/drawing/2014/main" id="{4290DE5A-4EC3-58DA-D743-31E60721FA70}"/>
               </a:ext>
             </a:extLst>
           </p:cNvPr>
@@ -1526,7 +1526,7 @@
           <p:cNvPr id="3" name="文本占位符 2">
             <a:extLst>
               <a:ext uri="{FF2B5EF4-FFF2-40B4-BE49-F238E27FC236}">
-                <a16:creationId xmlns:a16="http://schemas.microsoft.com/office/drawing/2014/main" id="{EECF81FF-20DE-22B8-D73C-82E8680F6CB1}"/>
+                <a16:creationId xmlns:a16="http://schemas.microsoft.com/office/drawing/2014/main" id="{7D1EAAAD-835A-C9AB-5E11-DF18C7A154C0}"/>
               </a:ext>
             </a:extLst>
           </p:cNvPr>
@@ -1597,7 +1597,7 @@
           <p:cNvPr id="4" name="内容占位符 3">
             <a:extLst>
               <a:ext uri="{FF2B5EF4-FFF2-40B4-BE49-F238E27FC236}">
-                <a16:creationId xmlns:a16="http://schemas.microsoft.com/office/drawing/2014/main" id="{75920E15-7CAA-C40D-839E-04549D171C55}"/>
+                <a16:creationId xmlns:a16="http://schemas.microsoft.com/office/drawing/2014/main" id="{C36CABA3-7EBC-F4AB-223E-5EB1A3613ACE}"/>
               </a:ext>
             </a:extLst>
           </p:cNvPr>
@@ -1659,7 +1659,7 @@
           <p:cNvPr id="5" name="文本占位符 4">
             <a:extLst>
               <a:ext uri="{FF2B5EF4-FFF2-40B4-BE49-F238E27FC236}">
-                <a16:creationId xmlns:a16="http://schemas.microsoft.com/office/drawing/2014/main" id="{755FE36F-4BA4-40D9-39E3-9BA9959AFDE0}"/>
+                <a16:creationId xmlns:a16="http://schemas.microsoft.com/office/drawing/2014/main" id="{48C0ECA9-B7FA-ECE3-1F69-60B61AC25A77}"/>
               </a:ext>
             </a:extLst>
           </p:cNvPr>
@@ -1730,7 +1730,7 @@
           <p:cNvPr id="6" name="内容占位符 5">
             <a:extLst>
               <a:ext uri="{FF2B5EF4-FFF2-40B4-BE49-F238E27FC236}">
-                <a16:creationId xmlns:a16="http://schemas.microsoft.com/office/drawing/2014/main" id="{7F06AAEB-9D78-5219-4A02-89A571B1C1AB}"/>
+                <a16:creationId xmlns:a16="http://schemas.microsoft.com/office/drawing/2014/main" id="{2363A2B7-18C0-FB18-A23C-F098FC544D18}"/>
               </a:ext>
             </a:extLst>
           </p:cNvPr>
@@ -1792,7 +1792,7 @@
           <p:cNvPr id="7" name="日期占位符 6">
             <a:extLst>
               <a:ext uri="{FF2B5EF4-FFF2-40B4-BE49-F238E27FC236}">
-                <a16:creationId xmlns:a16="http://schemas.microsoft.com/office/drawing/2014/main" id="{62D784DA-5C56-4CB9-BC56-704B744D2907}"/>
+                <a16:creationId xmlns:a16="http://schemas.microsoft.com/office/drawing/2014/main" id="{78739D3A-FCA7-7286-8D0E-C3F60105F25D}"/>
               </a:ext>
             </a:extLst>
           </p:cNvPr>
@@ -1808,7 +1808,7 @@
           <a:bodyPr/>
           <a:lstStyle/>
           <a:p>
-            <a:fld id="{D795D4AD-A7D5-4959-8BFE-27F896D142C7}" type="datetimeFigureOut">
+            <a:fld id="{626CB73A-7087-4A20-B294-524D0A068E0F}" type="datetimeFigureOut">
               <a:rPr lang="zh-CN" altLang="en-US" smtClean="0"/>
               <a:t>2024/3/10</a:t>
             </a:fld>
@@ -1821,7 +1821,7 @@
           <p:cNvPr id="8" name="页脚占位符 7">
             <a:extLst>
               <a:ext uri="{FF2B5EF4-FFF2-40B4-BE49-F238E27FC236}">
-                <a16:creationId xmlns:a16="http://schemas.microsoft.com/office/drawing/2014/main" id="{4830CDBC-5CC7-9953-CAF0-9E657D6EF412}"/>
+                <a16:creationId xmlns:a16="http://schemas.microsoft.com/office/drawing/2014/main" id="{276D0C5B-F35E-FB6E-8D43-16F5F8E17B6F}"/>
               </a:ext>
             </a:extLst>
           </p:cNvPr>
@@ -1846,7 +1846,7 @@
           <p:cNvPr id="9" name="灯片编号占位符 8">
             <a:extLst>
               <a:ext uri="{FF2B5EF4-FFF2-40B4-BE49-F238E27FC236}">
-                <a16:creationId xmlns:a16="http://schemas.microsoft.com/office/drawing/2014/main" id="{60A600B1-859C-238A-DFEE-481FBC302927}"/>
+                <a16:creationId xmlns:a16="http://schemas.microsoft.com/office/drawing/2014/main" id="{CF2D30EB-F168-4A94-B99B-157E4F010D5D}"/>
               </a:ext>
             </a:extLst>
           </p:cNvPr>
@@ -1862,7 +1862,7 @@
           <a:bodyPr/>
           <a:lstStyle/>
           <a:p>
-            <a:fld id="{629A2481-5A7D-47FC-8CFE-CA8D3EDE8E43}" type="slidenum">
+            <a:fld id="{1E7825D4-7464-4519-8CF4-13DF05B48D81}" type="slidenum">
               <a:rPr lang="zh-CN" altLang="en-US" smtClean="0"/>
               <a:t>‹#›</a:t>
             </a:fld>
@@ -1873,7 +1873,7 @@
     </p:spTree>
     <p:extLst>
       <p:ext uri="{BB962C8B-B14F-4D97-AF65-F5344CB8AC3E}">
-        <p14:creationId xmlns:p14="http://schemas.microsoft.com/office/powerpoint/2010/main" val="2416045969"/>
+        <p14:creationId xmlns:p14="http://schemas.microsoft.com/office/powerpoint/2010/main" val="1208914040"/>
       </p:ext>
     </p:extLst>
   </p:cSld>
@@ -1905,7 +1905,7 @@
           <p:cNvPr id="2" name="标题 1">
             <a:extLst>
               <a:ext uri="{FF2B5EF4-FFF2-40B4-BE49-F238E27FC236}">
-                <a16:creationId xmlns:a16="http://schemas.microsoft.com/office/drawing/2014/main" id="{5A9E8AAA-A313-A765-5674-D7E6E3741D57}"/>
+                <a16:creationId xmlns:a16="http://schemas.microsoft.com/office/drawing/2014/main" id="{681612BC-195D-04A1-A1A4-7A3D5044BB43}"/>
               </a:ext>
             </a:extLst>
           </p:cNvPr>
@@ -1933,7 +1933,7 @@
           <p:cNvPr id="3" name="日期占位符 2">
             <a:extLst>
               <a:ext uri="{FF2B5EF4-FFF2-40B4-BE49-F238E27FC236}">
-                <a16:creationId xmlns:a16="http://schemas.microsoft.com/office/drawing/2014/main" id="{8612AD10-F416-7EAC-4495-46118354531F}"/>
+                <a16:creationId xmlns:a16="http://schemas.microsoft.com/office/drawing/2014/main" id="{B9424C01-4785-7F91-BDFB-A0B6BFB25D6B}"/>
               </a:ext>
             </a:extLst>
           </p:cNvPr>
@@ -1949,7 +1949,7 @@
           <a:bodyPr/>
           <a:lstStyle/>
           <a:p>
-            <a:fld id="{D795D4AD-A7D5-4959-8BFE-27F896D142C7}" type="datetimeFigureOut">
+            <a:fld id="{626CB73A-7087-4A20-B294-524D0A068E0F}" type="datetimeFigureOut">
               <a:rPr lang="zh-CN" altLang="en-US" smtClean="0"/>
               <a:t>2024/3/10</a:t>
             </a:fld>
@@ -1962,7 +1962,7 @@
           <p:cNvPr id="4" name="页脚占位符 3">
             <a:extLst>
               <a:ext uri="{FF2B5EF4-FFF2-40B4-BE49-F238E27FC236}">
-                <a16:creationId xmlns:a16="http://schemas.microsoft.com/office/drawing/2014/main" id="{83299BCB-6B08-BA6C-8A31-9CAA61984DDF}"/>
+                <a16:creationId xmlns:a16="http://schemas.microsoft.com/office/drawing/2014/main" id="{F0DDB02D-543B-FF3E-4541-58CEE693838A}"/>
               </a:ext>
             </a:extLst>
           </p:cNvPr>
@@ -1987,7 +1987,7 @@
           <p:cNvPr id="5" name="灯片编号占位符 4">
             <a:extLst>
               <a:ext uri="{FF2B5EF4-FFF2-40B4-BE49-F238E27FC236}">
-                <a16:creationId xmlns:a16="http://schemas.microsoft.com/office/drawing/2014/main" id="{A27595C8-C470-C1B8-BD4C-ACE479A323C8}"/>
+                <a16:creationId xmlns:a16="http://schemas.microsoft.com/office/drawing/2014/main" id="{EF42B18E-B75B-8293-9354-2F6AE1DD00A7}"/>
               </a:ext>
             </a:extLst>
           </p:cNvPr>
@@ -2003,7 +2003,7 @@
           <a:bodyPr/>
           <a:lstStyle/>
           <a:p>
-            <a:fld id="{629A2481-5A7D-47FC-8CFE-CA8D3EDE8E43}" type="slidenum">
+            <a:fld id="{1E7825D4-7464-4519-8CF4-13DF05B48D81}" type="slidenum">
               <a:rPr lang="zh-CN" altLang="en-US" smtClean="0"/>
               <a:t>‹#›</a:t>
             </a:fld>
@@ -2014,7 +2014,7 @@
     </p:spTree>
     <p:extLst>
       <p:ext uri="{BB962C8B-B14F-4D97-AF65-F5344CB8AC3E}">
-        <p14:creationId xmlns:p14="http://schemas.microsoft.com/office/powerpoint/2010/main" val="1607372642"/>
+        <p14:creationId xmlns:p14="http://schemas.microsoft.com/office/powerpoint/2010/main" val="744886407"/>
       </p:ext>
     </p:extLst>
   </p:cSld>
@@ -2046,7 +2046,7 @@
           <p:cNvPr id="2" name="日期占位符 1">
             <a:extLst>
               <a:ext uri="{FF2B5EF4-FFF2-40B4-BE49-F238E27FC236}">
-                <a16:creationId xmlns:a16="http://schemas.microsoft.com/office/drawing/2014/main" id="{AA4EA1F4-C19B-4FD8-738C-166A89ED8F9B}"/>
+                <a16:creationId xmlns:a16="http://schemas.microsoft.com/office/drawing/2014/main" id="{C6A781B5-FC6B-EAE6-8FA5-8C9F4C760972}"/>
               </a:ext>
             </a:extLst>
           </p:cNvPr>
@@ -2062,7 +2062,7 @@
           <a:bodyPr/>
           <a:lstStyle/>
           <a:p>
-            <a:fld id="{D795D4AD-A7D5-4959-8BFE-27F896D142C7}" type="datetimeFigureOut">
+            <a:fld id="{626CB73A-7087-4A20-B294-524D0A068E0F}" type="datetimeFigureOut">
               <a:rPr lang="zh-CN" altLang="en-US" smtClean="0"/>
               <a:t>2024/3/10</a:t>
             </a:fld>
@@ -2075,7 +2075,7 @@
           <p:cNvPr id="3" name="页脚占位符 2">
             <a:extLst>
               <a:ext uri="{FF2B5EF4-FFF2-40B4-BE49-F238E27FC236}">
-                <a16:creationId xmlns:a16="http://schemas.microsoft.com/office/drawing/2014/main" id="{25545853-5EFC-12A8-4F16-4D21CEE68276}"/>
+                <a16:creationId xmlns:a16="http://schemas.microsoft.com/office/drawing/2014/main" id="{8EEC214D-40BF-B651-149F-86399F1C0009}"/>
               </a:ext>
             </a:extLst>
           </p:cNvPr>
@@ -2100,7 +2100,7 @@
           <p:cNvPr id="4" name="灯片编号占位符 3">
             <a:extLst>
               <a:ext uri="{FF2B5EF4-FFF2-40B4-BE49-F238E27FC236}">
-                <a16:creationId xmlns:a16="http://schemas.microsoft.com/office/drawing/2014/main" id="{A0ECAD56-F68B-9E5F-43D2-2700C9543BE7}"/>
+                <a16:creationId xmlns:a16="http://schemas.microsoft.com/office/drawing/2014/main" id="{B3E14DCE-2D1F-4427-A0E7-37E58AF9F01F}"/>
               </a:ext>
             </a:extLst>
           </p:cNvPr>
@@ -2116,7 +2116,7 @@
           <a:bodyPr/>
           <a:lstStyle/>
           <a:p>
-            <a:fld id="{629A2481-5A7D-47FC-8CFE-CA8D3EDE8E43}" type="slidenum">
+            <a:fld id="{1E7825D4-7464-4519-8CF4-13DF05B48D81}" type="slidenum">
               <a:rPr lang="zh-CN" altLang="en-US" smtClean="0"/>
               <a:t>‹#›</a:t>
             </a:fld>
@@ -2127,7 +2127,7 @@
     </p:spTree>
     <p:extLst>
       <p:ext uri="{BB962C8B-B14F-4D97-AF65-F5344CB8AC3E}">
-        <p14:creationId xmlns:p14="http://schemas.microsoft.com/office/powerpoint/2010/main" val="2566215398"/>
+        <p14:creationId xmlns:p14="http://schemas.microsoft.com/office/powerpoint/2010/main" val="2669336705"/>
       </p:ext>
     </p:extLst>
   </p:cSld>
@@ -2159,7 +2159,7 @@
           <p:cNvPr id="2" name="标题 1">
             <a:extLst>
               <a:ext uri="{FF2B5EF4-FFF2-40B4-BE49-F238E27FC236}">
-                <a16:creationId xmlns:a16="http://schemas.microsoft.com/office/drawing/2014/main" id="{ED47BE67-5763-27F9-010B-0139F8F24942}"/>
+                <a16:creationId xmlns:a16="http://schemas.microsoft.com/office/drawing/2014/main" id="{D97EB1A0-39E2-9A8A-CB44-2710C51F956E}"/>
               </a:ext>
             </a:extLst>
           </p:cNvPr>
@@ -2196,7 +2196,7 @@
           <p:cNvPr id="3" name="内容占位符 2">
             <a:extLst>
               <a:ext uri="{FF2B5EF4-FFF2-40B4-BE49-F238E27FC236}">
-                <a16:creationId xmlns:a16="http://schemas.microsoft.com/office/drawing/2014/main" id="{00E3C563-CFFF-908C-50EC-0BA1D7156198}"/>
+                <a16:creationId xmlns:a16="http://schemas.microsoft.com/office/drawing/2014/main" id="{5C9214A2-FFEC-98B7-2BF0-E4628EE2794B}"/>
               </a:ext>
             </a:extLst>
           </p:cNvPr>
@@ -2286,7 +2286,7 @@
           <p:cNvPr id="4" name="文本占位符 3">
             <a:extLst>
               <a:ext uri="{FF2B5EF4-FFF2-40B4-BE49-F238E27FC236}">
-                <a16:creationId xmlns:a16="http://schemas.microsoft.com/office/drawing/2014/main" id="{0B7FB536-DBCB-9775-3BE8-84E4981826D1}"/>
+                <a16:creationId xmlns:a16="http://schemas.microsoft.com/office/drawing/2014/main" id="{D0BFF49F-C01B-1D94-9A82-619155E502AC}"/>
               </a:ext>
             </a:extLst>
           </p:cNvPr>
@@ -2357,7 +2357,7 @@
           <p:cNvPr id="5" name="日期占位符 4">
             <a:extLst>
               <a:ext uri="{FF2B5EF4-FFF2-40B4-BE49-F238E27FC236}">
-                <a16:creationId xmlns:a16="http://schemas.microsoft.com/office/drawing/2014/main" id="{1DC72C94-7DEE-8221-FB24-885557172D10}"/>
+                <a16:creationId xmlns:a16="http://schemas.microsoft.com/office/drawing/2014/main" id="{468B5486-3FD1-1698-EC51-9D7FDD86B2B5}"/>
               </a:ext>
             </a:extLst>
           </p:cNvPr>
@@ -2373,7 +2373,7 @@
           <a:bodyPr/>
           <a:lstStyle/>
           <a:p>
-            <a:fld id="{D795D4AD-A7D5-4959-8BFE-27F896D142C7}" type="datetimeFigureOut">
+            <a:fld id="{626CB73A-7087-4A20-B294-524D0A068E0F}" type="datetimeFigureOut">
               <a:rPr lang="zh-CN" altLang="en-US" smtClean="0"/>
               <a:t>2024/3/10</a:t>
             </a:fld>
@@ -2386,7 +2386,7 @@
           <p:cNvPr id="6" name="页脚占位符 5">
             <a:extLst>
               <a:ext uri="{FF2B5EF4-FFF2-40B4-BE49-F238E27FC236}">
-                <a16:creationId xmlns:a16="http://schemas.microsoft.com/office/drawing/2014/main" id="{ACD0D5CC-9224-B15D-74EF-854236B31C3E}"/>
+                <a16:creationId xmlns:a16="http://schemas.microsoft.com/office/drawing/2014/main" id="{30578F01-5A47-2E77-2473-099899DD8CF0}"/>
               </a:ext>
             </a:extLst>
           </p:cNvPr>
@@ -2411,7 +2411,7 @@
           <p:cNvPr id="7" name="灯片编号占位符 6">
             <a:extLst>
               <a:ext uri="{FF2B5EF4-FFF2-40B4-BE49-F238E27FC236}">
-                <a16:creationId xmlns:a16="http://schemas.microsoft.com/office/drawing/2014/main" id="{C8C4EB5A-4518-B9DC-685E-E958137C99D2}"/>
+                <a16:creationId xmlns:a16="http://schemas.microsoft.com/office/drawing/2014/main" id="{7B80CD2F-13D0-DCF6-5BB9-FE4E393C89CC}"/>
               </a:ext>
             </a:extLst>
           </p:cNvPr>
@@ -2427,7 +2427,7 @@
           <a:bodyPr/>
           <a:lstStyle/>
           <a:p>
-            <a:fld id="{629A2481-5A7D-47FC-8CFE-CA8D3EDE8E43}" type="slidenum">
+            <a:fld id="{1E7825D4-7464-4519-8CF4-13DF05B48D81}" type="slidenum">
               <a:rPr lang="zh-CN" altLang="en-US" smtClean="0"/>
               <a:t>‹#›</a:t>
             </a:fld>
@@ -2438,7 +2438,7 @@
     </p:spTree>
     <p:extLst>
       <p:ext uri="{BB962C8B-B14F-4D97-AF65-F5344CB8AC3E}">
-        <p14:creationId xmlns:p14="http://schemas.microsoft.com/office/powerpoint/2010/main" val="3019074715"/>
+        <p14:creationId xmlns:p14="http://schemas.microsoft.com/office/powerpoint/2010/main" val="1998838236"/>
       </p:ext>
     </p:extLst>
   </p:cSld>
@@ -2470,7 +2470,7 @@
           <p:cNvPr id="2" name="标题 1">
             <a:extLst>
               <a:ext uri="{FF2B5EF4-FFF2-40B4-BE49-F238E27FC236}">
-                <a16:creationId xmlns:a16="http://schemas.microsoft.com/office/drawing/2014/main" id="{DA94533D-B11D-D654-1233-AC778443D890}"/>
+                <a16:creationId xmlns:a16="http://schemas.microsoft.com/office/drawing/2014/main" id="{833B769E-313F-8D27-03CC-E569873E963A}"/>
               </a:ext>
             </a:extLst>
           </p:cNvPr>
@@ -2507,7 +2507,7 @@
           <p:cNvPr id="3" name="图片占位符 2">
             <a:extLst>
               <a:ext uri="{FF2B5EF4-FFF2-40B4-BE49-F238E27FC236}">
-                <a16:creationId xmlns:a16="http://schemas.microsoft.com/office/drawing/2014/main" id="{44E0ED67-EC82-DA57-D844-8EFF2BD0D302}"/>
+                <a16:creationId xmlns:a16="http://schemas.microsoft.com/office/drawing/2014/main" id="{43105545-FF11-EB29-5923-64CD1480C2BF}"/>
               </a:ext>
             </a:extLst>
           </p:cNvPr>
@@ -2574,7 +2574,7 @@
           <p:cNvPr id="4" name="文本占位符 3">
             <a:extLst>
               <a:ext uri="{FF2B5EF4-FFF2-40B4-BE49-F238E27FC236}">
-                <a16:creationId xmlns:a16="http://schemas.microsoft.com/office/drawing/2014/main" id="{2A71CFFB-FE86-B721-E4FC-AB34BE6DC4B8}"/>
+                <a16:creationId xmlns:a16="http://schemas.microsoft.com/office/drawing/2014/main" id="{C717C4CA-D2CB-BCAC-5089-0300F621B29A}"/>
               </a:ext>
             </a:extLst>
           </p:cNvPr>
@@ -2645,7 +2645,7 @@
           <p:cNvPr id="5" name="日期占位符 4">
             <a:extLst>
               <a:ext uri="{FF2B5EF4-FFF2-40B4-BE49-F238E27FC236}">
-                <a16:creationId xmlns:a16="http://schemas.microsoft.com/office/drawing/2014/main" id="{4A0054DD-33AE-C168-7AD9-43A68ACAE107}"/>
+                <a16:creationId xmlns:a16="http://schemas.microsoft.com/office/drawing/2014/main" id="{EA1F5ED0-26C7-A775-7A9D-63249DFA1B4B}"/>
               </a:ext>
             </a:extLst>
           </p:cNvPr>
@@ -2661,7 +2661,7 @@
           <a:bodyPr/>
           <a:lstStyle/>
           <a:p>
-            <a:fld id="{D795D4AD-A7D5-4959-8BFE-27F896D142C7}" type="datetimeFigureOut">
+            <a:fld id="{626CB73A-7087-4A20-B294-524D0A068E0F}" type="datetimeFigureOut">
               <a:rPr lang="zh-CN" altLang="en-US" smtClean="0"/>
               <a:t>2024/3/10</a:t>
             </a:fld>
@@ -2674,7 +2674,7 @@
           <p:cNvPr id="6" name="页脚占位符 5">
             <a:extLst>
               <a:ext uri="{FF2B5EF4-FFF2-40B4-BE49-F238E27FC236}">
-                <a16:creationId xmlns:a16="http://schemas.microsoft.com/office/drawing/2014/main" id="{4C902819-E24D-05C7-80C4-D30051740D8C}"/>
+                <a16:creationId xmlns:a16="http://schemas.microsoft.com/office/drawing/2014/main" id="{B09022B7-60CB-140E-65BB-0BCF348741A9}"/>
               </a:ext>
             </a:extLst>
           </p:cNvPr>
@@ -2699,7 +2699,7 @@
           <p:cNvPr id="7" name="灯片编号占位符 6">
             <a:extLst>
               <a:ext uri="{FF2B5EF4-FFF2-40B4-BE49-F238E27FC236}">
-                <a16:creationId xmlns:a16="http://schemas.microsoft.com/office/drawing/2014/main" id="{A3BC38D6-0FEB-D418-E4E8-5D488CE59379}"/>
+                <a16:creationId xmlns:a16="http://schemas.microsoft.com/office/drawing/2014/main" id="{64C5CD1D-976E-46A1-E493-AFC9602AC08D}"/>
               </a:ext>
             </a:extLst>
           </p:cNvPr>
@@ -2715,7 +2715,7 @@
           <a:bodyPr/>
           <a:lstStyle/>
           <a:p>
-            <a:fld id="{629A2481-5A7D-47FC-8CFE-CA8D3EDE8E43}" type="slidenum">
+            <a:fld id="{1E7825D4-7464-4519-8CF4-13DF05B48D81}" type="slidenum">
               <a:rPr lang="zh-CN" altLang="en-US" smtClean="0"/>
               <a:t>‹#›</a:t>
             </a:fld>
@@ -2726,7 +2726,7 @@
     </p:spTree>
     <p:extLst>
       <p:ext uri="{BB962C8B-B14F-4D97-AF65-F5344CB8AC3E}">
-        <p14:creationId xmlns:p14="http://schemas.microsoft.com/office/powerpoint/2010/main" val="2110657995"/>
+        <p14:creationId xmlns:p14="http://schemas.microsoft.com/office/powerpoint/2010/main" val="87946823"/>
       </p:ext>
     </p:extLst>
   </p:cSld>
@@ -2763,7 +2763,7 @@
           <p:cNvPr id="2" name="标题占位符 1">
             <a:extLst>
               <a:ext uri="{FF2B5EF4-FFF2-40B4-BE49-F238E27FC236}">
-                <a16:creationId xmlns:a16="http://schemas.microsoft.com/office/drawing/2014/main" id="{AC31531E-299C-14AC-D328-6DA04FD28C11}"/>
+                <a16:creationId xmlns:a16="http://schemas.microsoft.com/office/drawing/2014/main" id="{2890B1D9-8395-A4CD-7D2C-94641F501469}"/>
               </a:ext>
             </a:extLst>
           </p:cNvPr>
@@ -2801,7 +2801,7 @@
           <p:cNvPr id="3" name="文本占位符 2">
             <a:extLst>
               <a:ext uri="{FF2B5EF4-FFF2-40B4-BE49-F238E27FC236}">
-                <a16:creationId xmlns:a16="http://schemas.microsoft.com/office/drawing/2014/main" id="{553C99A9-9ECB-3A84-44EB-2D03CE223AD5}"/>
+                <a16:creationId xmlns:a16="http://schemas.microsoft.com/office/drawing/2014/main" id="{0A4A0DF0-A5BD-DCA3-D96B-C2A0D622DDC6}"/>
               </a:ext>
             </a:extLst>
           </p:cNvPr>
@@ -2868,7 +2868,7 @@
           <p:cNvPr id="4" name="日期占位符 3">
             <a:extLst>
               <a:ext uri="{FF2B5EF4-FFF2-40B4-BE49-F238E27FC236}">
-                <a16:creationId xmlns:a16="http://schemas.microsoft.com/office/drawing/2014/main" id="{DB0E24F0-3A86-0E09-9302-6409A58B9EB3}"/>
+                <a16:creationId xmlns:a16="http://schemas.microsoft.com/office/drawing/2014/main" id="{C9E693AA-0E88-CE8C-7E9F-5EE184DF81E4}"/>
               </a:ext>
             </a:extLst>
           </p:cNvPr>
@@ -2902,7 +2902,7 @@
             </a:lvl1pPr>
           </a:lstStyle>
           <a:p>
-            <a:fld id="{D795D4AD-A7D5-4959-8BFE-27F896D142C7}" type="datetimeFigureOut">
+            <a:fld id="{626CB73A-7087-4A20-B294-524D0A068E0F}" type="datetimeFigureOut">
               <a:rPr lang="zh-CN" altLang="en-US" smtClean="0"/>
               <a:t>2024/3/10</a:t>
             </a:fld>
@@ -2915,7 +2915,7 @@
           <p:cNvPr id="5" name="页脚占位符 4">
             <a:extLst>
               <a:ext uri="{FF2B5EF4-FFF2-40B4-BE49-F238E27FC236}">
-                <a16:creationId xmlns:a16="http://schemas.microsoft.com/office/drawing/2014/main" id="{869F4985-E5A6-DDA1-FB54-E2BE54301EA1}"/>
+                <a16:creationId xmlns:a16="http://schemas.microsoft.com/office/drawing/2014/main" id="{D0D4E336-CEE8-9A61-EA84-75E70C9EA6A1}"/>
               </a:ext>
             </a:extLst>
           </p:cNvPr>
@@ -2958,7 +2958,7 @@
           <p:cNvPr id="6" name="灯片编号占位符 5">
             <a:extLst>
               <a:ext uri="{FF2B5EF4-FFF2-40B4-BE49-F238E27FC236}">
-                <a16:creationId xmlns:a16="http://schemas.microsoft.com/office/drawing/2014/main" id="{653D9374-2739-606B-32C4-8D690CD5DA1F}"/>
+                <a16:creationId xmlns:a16="http://schemas.microsoft.com/office/drawing/2014/main" id="{46F68273-2A0D-F530-AA3E-47698441FBA3}"/>
               </a:ext>
             </a:extLst>
           </p:cNvPr>
@@ -2992,7 +2992,7 @@
             </a:lvl1pPr>
           </a:lstStyle>
           <a:p>
-            <a:fld id="{629A2481-5A7D-47FC-8CFE-CA8D3EDE8E43}" type="slidenum">
+            <a:fld id="{1E7825D4-7464-4519-8CF4-13DF05B48D81}" type="slidenum">
               <a:rPr lang="zh-CN" altLang="en-US" smtClean="0"/>
               <a:t>‹#›</a:t>
             </a:fld>
@@ -3003,7 +3003,7 @@
     </p:spTree>
     <p:extLst>
       <p:ext uri="{BB962C8B-B14F-4D97-AF65-F5344CB8AC3E}">
-        <p14:creationId xmlns:p14="http://schemas.microsoft.com/office/powerpoint/2010/main" val="4198553844"/>
+        <p14:creationId xmlns:p14="http://schemas.microsoft.com/office/powerpoint/2010/main" val="1936744631"/>
       </p:ext>
     </p:extLst>
   </p:cSld>
@@ -3323,7 +3323,7 @@
       </p:grpSpPr>
       <p:pic>
         <p:nvPicPr>
-          <p:cNvPr id="339970" name="Picture 2" descr="331"/>
+          <p:cNvPr id="340994" name="Picture 2" descr="332"/>
           <p:cNvPicPr>
             <a:picLocks noChangeAspect="1" noChangeArrowheads="1"/>
           </p:cNvPicPr>
@@ -3375,158 +3375,11 @@
           </a:extLst>
         </p:spPr>
       </p:pic>
-      <p:pic>
-        <p:nvPicPr>
-          <p:cNvPr id="340995" name="Picture 3" descr="331-1"/>
-          <p:cNvPicPr>
-            <a:picLocks noChangeAspect="1" noChangeArrowheads="1"/>
-          </p:cNvPicPr>
-          <p:nvPr/>
-        </p:nvPicPr>
-        <p:blipFill>
-          <a:blip r:embed="rId3">
-            <a:extLst>
-              <a:ext uri="{28A0092B-C50C-407E-A947-70E740481C1C}">
-                <a14:useLocalDpi xmlns:a14="http://schemas.microsoft.com/office/drawing/2010/main" val="0"/>
-              </a:ext>
-            </a:extLst>
-          </a:blip>
-          <a:srcRect/>
-          <a:stretch>
-            <a:fillRect/>
-          </a:stretch>
-        </p:blipFill>
-        <p:spPr bwMode="auto">
-          <a:xfrm>
-            <a:off x="1524000" y="0"/>
-            <a:ext cx="9144000" cy="6858000"/>
-          </a:xfrm>
-          <a:prstGeom prst="rect">
-            <a:avLst/>
-          </a:prstGeom>
-          <a:noFill/>
-          <a:ln>
-            <a:noFill/>
-          </a:ln>
-          <a:effectLst/>
-          <a:extLst>
-            <a:ext uri="{909E8E84-426E-40DD-AFC4-6F175D3DCCD1}">
-              <a14:hiddenFill xmlns:a14="http://schemas.microsoft.com/office/drawing/2010/main">
-                <a:solidFill>
-                  <a:srgbClr val="FFFFFF"/>
-                </a:solidFill>
-              </a14:hiddenFill>
-            </a:ext>
-            <a:ext uri="{91240B29-F687-4F45-9708-019B960494DF}">
-              <a14:hiddenLine xmlns:a14="http://schemas.microsoft.com/office/drawing/2010/main" w="9525">
-                <a:solidFill>
-                  <a:srgbClr val="000000"/>
-                </a:solidFill>
-                <a:miter lim="800000"/>
-                <a:headEnd/>
-                <a:tailEnd/>
-              </a14:hiddenLine>
-            </a:ext>
-            <a:ext uri="{AF507438-7753-43E0-B8FC-AC1667EBCBE1}">
-              <a14:hiddenEffects xmlns:a14="http://schemas.microsoft.com/office/drawing/2010/main">
-                <a:effectLst>
-                  <a:outerShdw dist="35921" dir="2700000" algn="ctr" rotWithShape="0">
-                    <a:srgbClr val="808080"/>
-                  </a:outerShdw>
-                </a:effectLst>
-              </a14:hiddenEffects>
-            </a:ext>
-          </a:extLst>
-        </p:spPr>
-      </p:pic>
     </p:spTree>
   </p:cSld>
   <p:clrMapOvr>
     <a:masterClrMapping/>
   </p:clrMapOvr>
-  <p:timing>
-    <p:tnLst>
-      <p:par>
-        <p:cTn id="1" dur="indefinite" restart="never" nodeType="tmRoot">
-          <p:childTnLst>
-            <p:seq concurrent="1" nextAc="seek">
-              <p:cTn id="2" dur="indefinite" nodeType="mainSeq">
-                <p:childTnLst>
-                  <p:par>
-                    <p:cTn id="3" fill="hold" nodeType="clickPar">
-                      <p:stCondLst>
-                        <p:cond delay="indefinite"/>
-                      </p:stCondLst>
-                      <p:childTnLst>
-                        <p:par>
-                          <p:cTn id="4" fill="hold" nodeType="withGroup">
-                            <p:stCondLst>
-                              <p:cond delay="0"/>
-                            </p:stCondLst>
-                            <p:childTnLst>
-                              <p:par>
-                                <p:cTn id="5" presetID="10" presetClass="entr" presetSubtype="0" fill="hold" nodeType="clickEffect">
-                                  <p:stCondLst>
-                                    <p:cond delay="0"/>
-                                  </p:stCondLst>
-                                  <p:childTnLst>
-                                    <p:set>
-                                      <p:cBhvr>
-                                        <p:cTn id="6" dur="1" fill="hold">
-                                          <p:stCondLst>
-                                            <p:cond delay="0"/>
-                                          </p:stCondLst>
-                                        </p:cTn>
-                                        <p:tgtEl>
-                                          <p:spTgt spid="340995"/>
-                                        </p:tgtEl>
-                                        <p:attrNameLst>
-                                          <p:attrName>style.visibility</p:attrName>
-                                        </p:attrNameLst>
-                                      </p:cBhvr>
-                                      <p:to>
-                                        <p:strVal val="visible"/>
-                                      </p:to>
-                                    </p:set>
-                                    <p:animEffect transition="in" filter="fade">
-                                      <p:cBhvr>
-                                        <p:cTn id="7" dur="500"/>
-                                        <p:tgtEl>
-                                          <p:spTgt spid="340995"/>
-                                        </p:tgtEl>
-                                      </p:cBhvr>
-                                    </p:animEffect>
-                                  </p:childTnLst>
-                                </p:cTn>
-                              </p:par>
-                            </p:childTnLst>
-                          </p:cTn>
-                        </p:par>
-                      </p:childTnLst>
-                    </p:cTn>
-                  </p:par>
-                </p:childTnLst>
-              </p:cTn>
-              <p:prevCondLst>
-                <p:cond evt="onPrev" delay="0">
-                  <p:tgtEl>
-                    <p:sldTgt/>
-                  </p:tgtEl>
-                </p:cond>
-              </p:prevCondLst>
-              <p:nextCondLst>
-                <p:cond evt="onNext" delay="0">
-                  <p:tgtEl>
-                    <p:sldTgt/>
-                  </p:tgtEl>
-                </p:cond>
-              </p:nextCondLst>
-            </p:seq>
-          </p:childTnLst>
-        </p:cTn>
-      </p:par>
-    </p:tnLst>
-  </p:timing>
 </p:sld>
 </file>
 
